--- a/templates/UKRI-stfc-nerc-ceda-ncas-nceo-softwarecarpentry-Presentation-Template.pptx
+++ b/templates/UKRI-stfc-nerc-ceda-ncas-nceo-softwarecarpentry-Presentation-Template.pptx
@@ -151,10 +151,12 @@
           </a:prstGeom>
         </p:spPr>
         <p:txBody>
-          <a:bodyPr anchor="b"/>
+          <a:bodyPr anchor="b">
+            <a:noAutofit/>
+          </a:bodyPr>
           <a:lstStyle>
             <a:lvl1pPr algn="l">
-              <a:defRPr sz="4000" baseline="0">
+              <a:defRPr sz="6000" baseline="0">
                 <a:solidFill>
                   <a:schemeClr val="tx1"/>
                 </a:solidFill>
@@ -189,11 +191,13 @@
           </a:prstGeom>
         </p:spPr>
         <p:txBody>
-          <a:bodyPr/>
+          <a:bodyPr>
+            <a:normAutofit/>
+          </a:bodyPr>
           <a:lstStyle>
             <a:lvl1pPr marL="0" indent="0" algn="l">
               <a:buNone/>
-              <a:defRPr sz="2000">
+              <a:defRPr sz="2400">
                 <a:solidFill>
                   <a:schemeClr val="tx1"/>
                 </a:solidFill>
@@ -239,48 +243,6 @@
               <a:rPr lang="en-US" dirty="0"/>
               <a:t>Subheading</a:t>
             </a:r>
-          </a:p>
-        </p:txBody>
-      </p:sp>
-      <p:sp>
-        <p:nvSpPr>
-          <p:cNvPr id="4" name="Date Placeholder 3"/>
-          <p:cNvSpPr>
-            <a:spLocks noGrp="1"/>
-          </p:cNvSpPr>
-          <p:nvPr>
-            <p:ph type="dt" sz="half" idx="10"/>
-          </p:nvPr>
-        </p:nvSpPr>
-        <p:spPr>
-          <a:xfrm>
-            <a:off x="342718" y="4797452"/>
-            <a:ext cx="2057400" cy="365125"/>
-          </a:xfrm>
-          <a:prstGeom prst="rect">
-            <a:avLst/>
-          </a:prstGeom>
-        </p:spPr>
-        <p:txBody>
-          <a:bodyPr/>
-          <a:lstStyle>
-            <a:lvl1pPr>
-              <a:defRPr sz="1600">
-                <a:solidFill>
-                  <a:schemeClr val="tx1"/>
-                </a:solidFill>
-                <a:latin typeface="+mn-lt"/>
-                <a:cs typeface="Arial" panose="020B0604020202020204" pitchFamily="34" charset="0"/>
-              </a:defRPr>
-            </a:lvl1pPr>
-          </a:lstStyle>
-          <a:p>
-            <a:fld id="{646265C4-D3EB-4033-9F2F-7AE1FCA20C43}" type="datetimeFigureOut">
-              <a:rPr lang="en-GB" smtClean="0"/>
-              <a:pPr/>
-              <a:t>26/09/2018</a:t>
-            </a:fld>
-            <a:endParaRPr lang="en-GB" dirty="0"/>
           </a:p>
         </p:txBody>
       </p:sp>
@@ -567,7 +529,7 @@
             <a:fld id="{646265C4-D3EB-4033-9F2F-7AE1FCA20C43}" type="datetimeFigureOut">
               <a:rPr lang="en-GB" smtClean="0"/>
               <a:pPr/>
-              <a:t>26/09/2018</a:t>
+              <a:t>27/09/2018</a:t>
             </a:fld>
             <a:endParaRPr lang="en-GB" dirty="0"/>
           </a:p>
@@ -805,7 +767,7 @@
             <a:fld id="{646265C4-D3EB-4033-9F2F-7AE1FCA20C43}" type="datetimeFigureOut">
               <a:rPr lang="en-GB" smtClean="0"/>
               <a:pPr/>
-              <a:t>26/09/2018</a:t>
+              <a:t>27/09/2018</a:t>
             </a:fld>
             <a:endParaRPr lang="en-GB" dirty="0"/>
           </a:p>
@@ -4942,10 +4904,12 @@
         </p:nvSpPr>
         <p:spPr/>
         <p:txBody>
-          <a:bodyPr/>
+          <a:bodyPr>
+            <a:noAutofit/>
+          </a:bodyPr>
           <a:lstStyle/>
           <a:p>
-            <a:endParaRPr lang="en-US"/>
+            <a:endParaRPr lang="en-US" sz="6000" dirty="0"/>
           </a:p>
         </p:txBody>
       </p:sp>
@@ -4967,10 +4931,12 @@
         </p:nvSpPr>
         <p:spPr/>
         <p:txBody>
-          <a:bodyPr/>
+          <a:bodyPr>
+            <a:normAutofit/>
+          </a:bodyPr>
           <a:lstStyle/>
           <a:p>
-            <a:endParaRPr lang="en-US"/>
+            <a:endParaRPr lang="en-US" sz="2400" dirty="0"/>
           </a:p>
         </p:txBody>
       </p:sp>

--- a/templates/UKRI-stfc-nerc-ceda-ncas-nceo-softwarecarpentry-Presentation-Template.pptx
+++ b/templates/UKRI-stfc-nerc-ceda-ncas-nceo-softwarecarpentry-Presentation-Template.pptx
@@ -444,7 +444,7 @@
             <a:lvl1pPr algn="l">
               <a:defRPr sz="3200" baseline="0">
                 <a:solidFill>
-                  <a:srgbClr val="63666A"/>
+                  <a:schemeClr val="tx1"/>
                 </a:solidFill>
               </a:defRPr>
             </a:lvl1pPr>
@@ -553,7 +553,7 @@
               <a:tabLst/>
               <a:defRPr sz="1600">
                 <a:solidFill>
-                  <a:srgbClr val="63666A"/>
+                  <a:schemeClr val="tx1"/>
                 </a:solidFill>
                 <a:latin typeface="+mn-lt"/>
                 <a:cs typeface="Arial" panose="020B0604020202020204" pitchFamily="34" charset="0"/>
@@ -704,7 +704,7 @@
             <a:lvl1pPr algn="l">
               <a:defRPr sz="3200" baseline="0">
                 <a:solidFill>
-                  <a:srgbClr val="63666A"/>
+                  <a:schemeClr val="tx1"/>
                 </a:solidFill>
               </a:defRPr>
             </a:lvl1pPr>
@@ -758,7 +758,7 @@
               <a:tabLst/>
               <a:defRPr sz="1600">
                 <a:solidFill>
-                  <a:srgbClr val="63666A"/>
+                  <a:schemeClr val="tx1"/>
                 </a:solidFill>
                 <a:latin typeface="+mn-lt"/>
                 <a:cs typeface="Arial" panose="020B0604020202020204" pitchFamily="34" charset="0"/>
@@ -814,6 +814,7 @@
               <a:rPr lang="en-US" sz="1400" baseline="0" dirty="0"/>
               <a:t>Main Content text entered here. </a:t>
             </a:r>
+            <a:endParaRPr lang="en-US" sz="1400" baseline="0" dirty="0" smtClean="0"/>
           </a:p>
         </p:txBody>
       </p:sp>
@@ -886,7 +887,7 @@
             <a:lvl1pPr algn="l">
               <a:defRPr sz="4000" baseline="0">
                 <a:solidFill>
-                  <a:srgbClr val="63666A"/>
+                  <a:schemeClr val="tx1"/>
                 </a:solidFill>
               </a:defRPr>
             </a:lvl1pPr>
@@ -925,7 +926,7 @@
               <a:buNone/>
               <a:defRPr sz="2000" baseline="0">
                 <a:solidFill>
-                  <a:srgbClr val="63666A"/>
+                  <a:schemeClr val="tx1"/>
                 </a:solidFill>
                 <a:latin typeface="+mn-lt"/>
                 <a:cs typeface="Arial" panose="020B0604020202020204" pitchFamily="34" charset="0"/>
@@ -1602,13 +1603,7 @@
       </p:grpSpPr>
       <p:sp>
         <p:nvSpPr>
-          <p:cNvPr id="9" name="Title 8">
-            <a:extLst>
-              <a:ext uri="{FF2B5EF4-FFF2-40B4-BE49-F238E27FC236}">
-                <a16:creationId xmlns:a16="http://schemas.microsoft.com/office/drawing/2014/main" id="{1E0D16EA-1C47-AC4F-8817-5C72D26E6A26}"/>
-              </a:ext>
-            </a:extLst>
-          </p:cNvPr>
+          <p:cNvPr id="2" name="Title 1"/>
           <p:cNvSpPr>
             <a:spLocks noGrp="1"/>
           </p:cNvSpPr>
@@ -1618,24 +1613,16 @@
         </p:nvSpPr>
         <p:spPr/>
         <p:txBody>
-          <a:bodyPr>
-            <a:noAutofit/>
-          </a:bodyPr>
+          <a:bodyPr/>
           <a:lstStyle/>
           <a:p>
-            <a:endParaRPr lang="en-US" sz="6000" dirty="0"/>
+            <a:endParaRPr lang="en-GB"/>
           </a:p>
         </p:txBody>
       </p:sp>
       <p:sp>
         <p:nvSpPr>
-          <p:cNvPr id="10" name="Subtitle 9">
-            <a:extLst>
-              <a:ext uri="{FF2B5EF4-FFF2-40B4-BE49-F238E27FC236}">
-                <a16:creationId xmlns:a16="http://schemas.microsoft.com/office/drawing/2014/main" id="{793D638F-A96A-2C47-B4F3-5D33FBA100D7}"/>
-              </a:ext>
-            </a:extLst>
-          </p:cNvPr>
+          <p:cNvPr id="3" name="Subtitle 2"/>
           <p:cNvSpPr>
             <a:spLocks noGrp="1"/>
           </p:cNvSpPr>
@@ -1645,12 +1632,10 @@
         </p:nvSpPr>
         <p:spPr/>
         <p:txBody>
-          <a:bodyPr>
-            <a:normAutofit/>
-          </a:bodyPr>
+          <a:bodyPr/>
           <a:lstStyle/>
           <a:p>
-            <a:endParaRPr lang="en-US" sz="2400" dirty="0"/>
+            <a:endParaRPr lang="en-GB"/>
           </a:p>
         </p:txBody>
       </p:sp>
@@ -1721,7 +1706,7 @@
       </p:grpSpPr>
       <p:sp>
         <p:nvSpPr>
-          <p:cNvPr id="2" name="Title 1"/>
+          <p:cNvPr id="5" name="Title 4"/>
           <p:cNvSpPr>
             <a:spLocks noGrp="1"/>
           </p:cNvSpPr>
@@ -1740,7 +1725,7 @@
       </p:sp>
       <p:sp>
         <p:nvSpPr>
-          <p:cNvPr id="3" name="Picture Placeholder 2"/>
+          <p:cNvPr id="6" name="Picture Placeholder 5"/>
           <p:cNvSpPr>
             <a:spLocks noGrp="1"/>
           </p:cNvSpPr>
@@ -1752,7 +1737,7 @@
       </p:sp>
       <p:sp>
         <p:nvSpPr>
-          <p:cNvPr id="4" name="Text Placeholder 3"/>
+          <p:cNvPr id="7" name="Text Placeholder 6"/>
           <p:cNvSpPr>
             <a:spLocks noGrp="1"/>
           </p:cNvSpPr>
@@ -1803,7 +1788,7 @@
       </p:grpSpPr>
       <p:sp>
         <p:nvSpPr>
-          <p:cNvPr id="2" name="Title 1"/>
+          <p:cNvPr id="4" name="Title 3"/>
           <p:cNvSpPr>
             <a:spLocks noGrp="1"/>
           </p:cNvSpPr>
@@ -1813,7 +1798,9 @@
         </p:nvSpPr>
         <p:spPr/>
         <p:txBody>
-          <a:bodyPr/>
+          <a:bodyPr>
+            <a:normAutofit/>
+          </a:bodyPr>
           <a:lstStyle/>
           <a:p>
             <a:endParaRPr lang="en-GB" dirty="0"/>
@@ -1822,7 +1809,7 @@
       </p:sp>
       <p:sp>
         <p:nvSpPr>
-          <p:cNvPr id="3" name="Text Placeholder 2"/>
+          <p:cNvPr id="5" name="Text Placeholder 4"/>
           <p:cNvSpPr>
             <a:spLocks noGrp="1"/>
           </p:cNvSpPr>
